--- a/Final Presentation/5.Architecture Diagram.pptx
+++ b/Final Presentation/5.Architecture Diagram.pptx
@@ -7,6 +7,7 @@
   <p:sldIdLst>
     <p:sldId id="256" r:id="rId2"/>
     <p:sldId id="258" r:id="rId3"/>
+    <p:sldId id="259" r:id="rId4"/>
   </p:sldIdLst>
   <p:sldSz cx="12192000" cy="6858000"/>
   <p:notesSz cx="6858000" cy="9144000"/>
@@ -272,7 +273,7 @@
             <a:fld id="{E94C7E8A-8A06-9943-A94C-1B2C40B085BF}" type="datetimeFigureOut">
               <a:rPr lang="en-US" smtClean="0"/>
               <a:pPr/>
-              <a:t>3/28/2020</a:t>
+              <a:t>9/5/2020</a:t>
             </a:fld>
             <a:endParaRPr lang="en-US"/>
           </a:p>
@@ -472,7 +473,7 @@
             <a:fld id="{E94C7E8A-8A06-9943-A94C-1B2C40B085BF}" type="datetimeFigureOut">
               <a:rPr lang="en-US" smtClean="0"/>
               <a:pPr/>
-              <a:t>3/28/2020</a:t>
+              <a:t>9/5/2020</a:t>
             </a:fld>
             <a:endParaRPr lang="en-US"/>
           </a:p>
@@ -682,7 +683,7 @@
             <a:fld id="{E94C7E8A-8A06-9943-A94C-1B2C40B085BF}" type="datetimeFigureOut">
               <a:rPr lang="en-US" smtClean="0"/>
               <a:pPr/>
-              <a:t>3/28/2020</a:t>
+              <a:t>9/5/2020</a:t>
             </a:fld>
             <a:endParaRPr lang="en-US"/>
           </a:p>
@@ -882,7 +883,7 @@
             <a:fld id="{E94C7E8A-8A06-9943-A94C-1B2C40B085BF}" type="datetimeFigureOut">
               <a:rPr lang="en-US" smtClean="0"/>
               <a:pPr/>
-              <a:t>3/28/2020</a:t>
+              <a:t>9/5/2020</a:t>
             </a:fld>
             <a:endParaRPr lang="en-US"/>
           </a:p>
@@ -1159,7 +1160,7 @@
             <a:fld id="{E94C7E8A-8A06-9943-A94C-1B2C40B085BF}" type="datetimeFigureOut">
               <a:rPr lang="en-US" smtClean="0"/>
               <a:pPr/>
-              <a:t>3/28/2020</a:t>
+              <a:t>9/5/2020</a:t>
             </a:fld>
             <a:endParaRPr lang="en-US"/>
           </a:p>
@@ -1426,7 +1427,7 @@
             <a:fld id="{E94C7E8A-8A06-9943-A94C-1B2C40B085BF}" type="datetimeFigureOut">
               <a:rPr lang="en-US" smtClean="0"/>
               <a:pPr/>
-              <a:t>3/28/2020</a:t>
+              <a:t>9/5/2020</a:t>
             </a:fld>
             <a:endParaRPr lang="en-US"/>
           </a:p>
@@ -1840,7 +1841,7 @@
             <a:fld id="{E94C7E8A-8A06-9943-A94C-1B2C40B085BF}" type="datetimeFigureOut">
               <a:rPr lang="en-US" smtClean="0"/>
               <a:pPr/>
-              <a:t>3/28/2020</a:t>
+              <a:t>9/5/2020</a:t>
             </a:fld>
             <a:endParaRPr lang="en-US"/>
           </a:p>
@@ -1983,7 +1984,7 @@
             <a:fld id="{E94C7E8A-8A06-9943-A94C-1B2C40B085BF}" type="datetimeFigureOut">
               <a:rPr lang="en-US" smtClean="0"/>
               <a:pPr/>
-              <a:t>3/28/2020</a:t>
+              <a:t>9/5/2020</a:t>
             </a:fld>
             <a:endParaRPr lang="en-US"/>
           </a:p>
@@ -2098,7 +2099,7 @@
             <a:fld id="{E94C7E8A-8A06-9943-A94C-1B2C40B085BF}" type="datetimeFigureOut">
               <a:rPr lang="en-US" smtClean="0"/>
               <a:pPr/>
-              <a:t>3/28/2020</a:t>
+              <a:t>9/5/2020</a:t>
             </a:fld>
             <a:endParaRPr lang="en-US"/>
           </a:p>
@@ -2411,7 +2412,7 @@
             <a:fld id="{E94C7E8A-8A06-9943-A94C-1B2C40B085BF}" type="datetimeFigureOut">
               <a:rPr lang="en-US" smtClean="0"/>
               <a:pPr/>
-              <a:t>3/28/2020</a:t>
+              <a:t>9/5/2020</a:t>
             </a:fld>
             <a:endParaRPr lang="en-US"/>
           </a:p>
@@ -2701,7 +2702,7 @@
             <a:fld id="{E94C7E8A-8A06-9943-A94C-1B2C40B085BF}" type="datetimeFigureOut">
               <a:rPr lang="en-US" smtClean="0"/>
               <a:pPr/>
-              <a:t>3/28/2020</a:t>
+              <a:t>9/5/2020</a:t>
             </a:fld>
             <a:endParaRPr lang="en-US"/>
           </a:p>
@@ -2944,7 +2945,7 @@
             <a:fld id="{E94C7E8A-8A06-9943-A94C-1B2C40B085BF}" type="datetimeFigureOut">
               <a:rPr lang="en-US" smtClean="0"/>
               <a:pPr/>
-              <a:t>3/28/2020</a:t>
+              <a:t>9/5/2020</a:t>
             </a:fld>
             <a:endParaRPr lang="en-US"/>
           </a:p>
@@ -5666,6 +5667,123 @@
 </p:sld>
 </file>
 
+<file path=ppt/slides/slide3.xml><?xml version="1.0" encoding="utf-8"?>
+<p:sld xmlns:a="http://schemas.openxmlformats.org/drawingml/2006/main" xmlns:r="http://schemas.openxmlformats.org/officeDocument/2006/relationships" xmlns:p="http://schemas.openxmlformats.org/presentationml/2006/main">
+  <p:cSld>
+    <p:spTree>
+      <p:nvGrpSpPr>
+        <p:cNvPr id="1" name=""/>
+        <p:cNvGrpSpPr/>
+        <p:nvPr/>
+      </p:nvGrpSpPr>
+      <p:grpSpPr>
+        <a:xfrm>
+          <a:off x="0" y="0"/>
+          <a:ext cx="0" cy="0"/>
+          <a:chOff x="0" y="0"/>
+          <a:chExt cx="0" cy="0"/>
+        </a:xfrm>
+      </p:grpSpPr>
+      <p:pic>
+        <p:nvPicPr>
+          <p:cNvPr id="3" name="Picture 2">
+            <a:extLst>
+              <a:ext uri="{FF2B5EF4-FFF2-40B4-BE49-F238E27FC236}">
+                <a16:creationId xmlns:a16="http://schemas.microsoft.com/office/drawing/2014/main" id="{8E3DAEDE-5824-4C29-90E6-D779188848B4}"/>
+              </a:ext>
+            </a:extLst>
+          </p:cNvPr>
+          <p:cNvPicPr>
+            <a:picLocks noChangeAspect="1"/>
+          </p:cNvPicPr>
+          <p:nvPr/>
+        </p:nvPicPr>
+        <p:blipFill>
+          <a:blip r:embed="rId2"/>
+          <a:stretch>
+            <a:fillRect/>
+          </a:stretch>
+        </p:blipFill>
+        <p:spPr>
+          <a:xfrm>
+            <a:off x="1415143" y="1248479"/>
+            <a:ext cx="10151424" cy="5502334"/>
+          </a:xfrm>
+          <a:prstGeom prst="rect">
+            <a:avLst/>
+          </a:prstGeom>
+        </p:spPr>
+      </p:pic>
+      <p:sp>
+        <p:nvSpPr>
+          <p:cNvPr id="4" name="TextBox 3">
+            <a:extLst>
+              <a:ext uri="{FF2B5EF4-FFF2-40B4-BE49-F238E27FC236}">
+                <a16:creationId xmlns:a16="http://schemas.microsoft.com/office/drawing/2014/main" id="{AC44BCC9-010D-4622-9EBA-ED608D379E5D}"/>
+              </a:ext>
+            </a:extLst>
+          </p:cNvPr>
+          <p:cNvSpPr txBox="1"/>
+          <p:nvPr/>
+        </p:nvSpPr>
+        <p:spPr>
+          <a:xfrm>
+            <a:off x="4122717" y="11875"/>
+            <a:ext cx="4178135" cy="1200329"/>
+          </a:xfrm>
+          <a:prstGeom prst="rect">
+            <a:avLst/>
+          </a:prstGeom>
+          <a:noFill/>
+        </p:spPr>
+        <p:txBody>
+          <a:bodyPr wrap="square" rtlCol="0">
+            <a:spAutoFit/>
+          </a:bodyPr>
+          <a:lstStyle/>
+          <a:p>
+            <a:pPr algn="ctr"/>
+            <a:r>
+              <a:rPr lang="en-US" dirty="0"/>
+              <a:t>Pet a Dog</a:t>
+            </a:r>
+          </a:p>
+          <a:p>
+            <a:pPr algn="ctr"/>
+            <a:r>
+              <a:rPr lang="en-US" dirty="0"/>
+              <a:t>Type: Application Architecture</a:t>
+            </a:r>
+          </a:p>
+          <a:p>
+            <a:pPr algn="ctr"/>
+            <a:r>
+              <a:rPr lang="en-US" dirty="0"/>
+              <a:t>View: Physical View</a:t>
+            </a:r>
+          </a:p>
+          <a:p>
+            <a:pPr algn="ctr"/>
+            <a:r>
+              <a:rPr lang="en-US" dirty="0"/>
+              <a:t>Style: Layered Architectural Pattern</a:t>
+            </a:r>
+          </a:p>
+        </p:txBody>
+      </p:sp>
+    </p:spTree>
+    <p:extLst>
+      <p:ext uri="{BB962C8B-B14F-4D97-AF65-F5344CB8AC3E}">
+        <p14:creationId xmlns:p14="http://schemas.microsoft.com/office/powerpoint/2010/main" val="2912301660"/>
+      </p:ext>
+    </p:extLst>
+  </p:cSld>
+  <p:clrMapOvr>
+    <a:masterClrMapping/>
+  </p:clrMapOvr>
+</p:sld>
+</file>
+
 <file path=ppt/theme/theme1.xml><?xml version="1.0" encoding="utf-8"?>
 <a:theme xmlns:a="http://schemas.openxmlformats.org/drawingml/2006/main" name="Office Theme">
   <a:themeElements>
